--- a/ppt 16-9/0751.我之愿.pptx
+++ b/ppt 16-9/0751.我之愿.pptx
@@ -129,7 +129,7 @@
           <p:cNvPr id="2" name="标题 1">
             <a:extLst>
               <a:ext uri="{FF2B5EF4-FFF2-40B4-BE49-F238E27FC236}">
-                <a16:creationId xmlns:a16="http://schemas.microsoft.com/office/drawing/2014/main" id="{91D25A40-86F1-BEDF-3FA6-EB0EE8FE31DD}"/>
+                <a16:creationId xmlns:a16="http://schemas.microsoft.com/office/drawing/2014/main" id="{97C85C80-99E4-A497-5562-0B551F51EA37}"/>
               </a:ext>
             </a:extLst>
           </p:cNvPr>
@@ -166,7 +166,7 @@
           <p:cNvPr id="3" name="副标题 2">
             <a:extLst>
               <a:ext uri="{FF2B5EF4-FFF2-40B4-BE49-F238E27FC236}">
-                <a16:creationId xmlns:a16="http://schemas.microsoft.com/office/drawing/2014/main" id="{7432882D-BB3B-E446-FD07-49544B722EA0}"/>
+                <a16:creationId xmlns:a16="http://schemas.microsoft.com/office/drawing/2014/main" id="{5360E1D9-F2D6-0E4A-F6CF-77CD80AF651B}"/>
               </a:ext>
             </a:extLst>
           </p:cNvPr>
@@ -236,7 +236,7 @@
           <p:cNvPr id="4" name="日期占位符 3">
             <a:extLst>
               <a:ext uri="{FF2B5EF4-FFF2-40B4-BE49-F238E27FC236}">
-                <a16:creationId xmlns:a16="http://schemas.microsoft.com/office/drawing/2014/main" id="{2C585532-CB29-7693-AC2C-1E04356A2A16}"/>
+                <a16:creationId xmlns:a16="http://schemas.microsoft.com/office/drawing/2014/main" id="{B0FFF78E-3490-2186-369B-97B3C33B03AA}"/>
               </a:ext>
             </a:extLst>
           </p:cNvPr>
@@ -252,7 +252,7 @@
           <a:bodyPr/>
           <a:lstStyle/>
           <a:p>
-            <a:fld id="{AD2B7620-00FF-44F5-80F0-D84BEC1E4889}" type="datetimeFigureOut">
+            <a:fld id="{22A7E623-891D-4267-88EB-FF8C29229A9E}" type="datetimeFigureOut">
               <a:rPr lang="zh-CN" altLang="en-US" smtClean="0"/>
               <a:t>2024/3/10</a:t>
             </a:fld>
@@ -265,7 +265,7 @@
           <p:cNvPr id="5" name="页脚占位符 4">
             <a:extLst>
               <a:ext uri="{FF2B5EF4-FFF2-40B4-BE49-F238E27FC236}">
-                <a16:creationId xmlns:a16="http://schemas.microsoft.com/office/drawing/2014/main" id="{CCB72222-88D4-A5B2-8C89-728499919EDA}"/>
+                <a16:creationId xmlns:a16="http://schemas.microsoft.com/office/drawing/2014/main" id="{42C433BE-FCEA-8F3C-0CC5-CEC8D2F8DB54}"/>
               </a:ext>
             </a:extLst>
           </p:cNvPr>
@@ -290,7 +290,7 @@
           <p:cNvPr id="6" name="灯片编号占位符 5">
             <a:extLst>
               <a:ext uri="{FF2B5EF4-FFF2-40B4-BE49-F238E27FC236}">
-                <a16:creationId xmlns:a16="http://schemas.microsoft.com/office/drawing/2014/main" id="{F8A97ED7-6247-30AF-058F-0361EEF615B1}"/>
+                <a16:creationId xmlns:a16="http://schemas.microsoft.com/office/drawing/2014/main" id="{1AAA59C1-9D14-45BB-83F4-6266DC5756F6}"/>
               </a:ext>
             </a:extLst>
           </p:cNvPr>
@@ -306,7 +306,7 @@
           <a:bodyPr/>
           <a:lstStyle/>
           <a:p>
-            <a:fld id="{1F04A94F-BB9B-4AAA-9E3B-15494A1DA1B7}" type="slidenum">
+            <a:fld id="{006D35DD-8192-4851-8297-E715F48B6652}" type="slidenum">
               <a:rPr lang="zh-CN" altLang="en-US" smtClean="0"/>
               <a:t>‹#›</a:t>
             </a:fld>
@@ -317,7 +317,7 @@
     </p:spTree>
     <p:extLst>
       <p:ext uri="{BB962C8B-B14F-4D97-AF65-F5344CB8AC3E}">
-        <p14:creationId xmlns:p14="http://schemas.microsoft.com/office/powerpoint/2010/main" val="4014738347"/>
+        <p14:creationId xmlns:p14="http://schemas.microsoft.com/office/powerpoint/2010/main" val="3654857155"/>
       </p:ext>
     </p:extLst>
   </p:cSld>
@@ -349,7 +349,7 @@
           <p:cNvPr id="2" name="标题 1">
             <a:extLst>
               <a:ext uri="{FF2B5EF4-FFF2-40B4-BE49-F238E27FC236}">
-                <a16:creationId xmlns:a16="http://schemas.microsoft.com/office/drawing/2014/main" id="{B09D0649-BAF7-0133-D949-CE56EE74D983}"/>
+                <a16:creationId xmlns:a16="http://schemas.microsoft.com/office/drawing/2014/main" id="{9A10B38C-3D87-4AC8-A5D2-F1FCEF27FE6A}"/>
               </a:ext>
             </a:extLst>
           </p:cNvPr>
@@ -377,7 +377,7 @@
           <p:cNvPr id="3" name="竖排文字占位符 2">
             <a:extLst>
               <a:ext uri="{FF2B5EF4-FFF2-40B4-BE49-F238E27FC236}">
-                <a16:creationId xmlns:a16="http://schemas.microsoft.com/office/drawing/2014/main" id="{D65FE967-583F-A78E-A1BE-64AA2237EE2B}"/>
+                <a16:creationId xmlns:a16="http://schemas.microsoft.com/office/drawing/2014/main" id="{1B1D76CB-0A38-238A-C014-18D625577F99}"/>
               </a:ext>
             </a:extLst>
           </p:cNvPr>
@@ -434,7 +434,7 @@
           <p:cNvPr id="4" name="日期占位符 3">
             <a:extLst>
               <a:ext uri="{FF2B5EF4-FFF2-40B4-BE49-F238E27FC236}">
-                <a16:creationId xmlns:a16="http://schemas.microsoft.com/office/drawing/2014/main" id="{F879BDDE-6012-886F-9FA6-920EBEBB7217}"/>
+                <a16:creationId xmlns:a16="http://schemas.microsoft.com/office/drawing/2014/main" id="{B75DFB1B-E9C1-1482-F095-ECBB5342AED3}"/>
               </a:ext>
             </a:extLst>
           </p:cNvPr>
@@ -450,7 +450,7 @@
           <a:bodyPr/>
           <a:lstStyle/>
           <a:p>
-            <a:fld id="{AD2B7620-00FF-44F5-80F0-D84BEC1E4889}" type="datetimeFigureOut">
+            <a:fld id="{22A7E623-891D-4267-88EB-FF8C29229A9E}" type="datetimeFigureOut">
               <a:rPr lang="zh-CN" altLang="en-US" smtClean="0"/>
               <a:t>2024/3/10</a:t>
             </a:fld>
@@ -463,7 +463,7 @@
           <p:cNvPr id="5" name="页脚占位符 4">
             <a:extLst>
               <a:ext uri="{FF2B5EF4-FFF2-40B4-BE49-F238E27FC236}">
-                <a16:creationId xmlns:a16="http://schemas.microsoft.com/office/drawing/2014/main" id="{8F842C18-31DA-A7C9-45CF-67A0527756F8}"/>
+                <a16:creationId xmlns:a16="http://schemas.microsoft.com/office/drawing/2014/main" id="{FD06F8D5-6BE3-75B0-5C86-0A68B20CBEFA}"/>
               </a:ext>
             </a:extLst>
           </p:cNvPr>
@@ -488,7 +488,7 @@
           <p:cNvPr id="6" name="灯片编号占位符 5">
             <a:extLst>
               <a:ext uri="{FF2B5EF4-FFF2-40B4-BE49-F238E27FC236}">
-                <a16:creationId xmlns:a16="http://schemas.microsoft.com/office/drawing/2014/main" id="{88D7DFC0-B3BD-C687-86D3-7E64C288D633}"/>
+                <a16:creationId xmlns:a16="http://schemas.microsoft.com/office/drawing/2014/main" id="{3A3E1E26-C915-BD07-F4AC-0F35650130E4}"/>
               </a:ext>
             </a:extLst>
           </p:cNvPr>
@@ -504,7 +504,7 @@
           <a:bodyPr/>
           <a:lstStyle/>
           <a:p>
-            <a:fld id="{1F04A94F-BB9B-4AAA-9E3B-15494A1DA1B7}" type="slidenum">
+            <a:fld id="{006D35DD-8192-4851-8297-E715F48B6652}" type="slidenum">
               <a:rPr lang="zh-CN" altLang="en-US" smtClean="0"/>
               <a:t>‹#›</a:t>
             </a:fld>
@@ -515,7 +515,7 @@
     </p:spTree>
     <p:extLst>
       <p:ext uri="{BB962C8B-B14F-4D97-AF65-F5344CB8AC3E}">
-        <p14:creationId xmlns:p14="http://schemas.microsoft.com/office/powerpoint/2010/main" val="3281110363"/>
+        <p14:creationId xmlns:p14="http://schemas.microsoft.com/office/powerpoint/2010/main" val="251183795"/>
       </p:ext>
     </p:extLst>
   </p:cSld>
@@ -547,7 +547,7 @@
           <p:cNvPr id="2" name="竖排标题 1">
             <a:extLst>
               <a:ext uri="{FF2B5EF4-FFF2-40B4-BE49-F238E27FC236}">
-                <a16:creationId xmlns:a16="http://schemas.microsoft.com/office/drawing/2014/main" id="{F68FC2F0-F6A8-4265-82A7-9483D0853E2A}"/>
+                <a16:creationId xmlns:a16="http://schemas.microsoft.com/office/drawing/2014/main" id="{56CD5FA5-419A-E934-4BCE-AA005596F515}"/>
               </a:ext>
             </a:extLst>
           </p:cNvPr>
@@ -580,7 +580,7 @@
           <p:cNvPr id="3" name="竖排文字占位符 2">
             <a:extLst>
               <a:ext uri="{FF2B5EF4-FFF2-40B4-BE49-F238E27FC236}">
-                <a16:creationId xmlns:a16="http://schemas.microsoft.com/office/drawing/2014/main" id="{98CD3105-EF17-A10C-434B-FA75C17C7010}"/>
+                <a16:creationId xmlns:a16="http://schemas.microsoft.com/office/drawing/2014/main" id="{201E65B0-06EF-1E2C-77CC-BA6DE523194B}"/>
               </a:ext>
             </a:extLst>
           </p:cNvPr>
@@ -642,7 +642,7 @@
           <p:cNvPr id="4" name="日期占位符 3">
             <a:extLst>
               <a:ext uri="{FF2B5EF4-FFF2-40B4-BE49-F238E27FC236}">
-                <a16:creationId xmlns:a16="http://schemas.microsoft.com/office/drawing/2014/main" id="{44E5439F-1BA0-16E3-2308-7DA10142398D}"/>
+                <a16:creationId xmlns:a16="http://schemas.microsoft.com/office/drawing/2014/main" id="{78334E64-F289-FAD7-B174-E2CD19FE6556}"/>
               </a:ext>
             </a:extLst>
           </p:cNvPr>
@@ -658,7 +658,7 @@
           <a:bodyPr/>
           <a:lstStyle/>
           <a:p>
-            <a:fld id="{AD2B7620-00FF-44F5-80F0-D84BEC1E4889}" type="datetimeFigureOut">
+            <a:fld id="{22A7E623-891D-4267-88EB-FF8C29229A9E}" type="datetimeFigureOut">
               <a:rPr lang="zh-CN" altLang="en-US" smtClean="0"/>
               <a:t>2024/3/10</a:t>
             </a:fld>
@@ -671,7 +671,7 @@
           <p:cNvPr id="5" name="页脚占位符 4">
             <a:extLst>
               <a:ext uri="{FF2B5EF4-FFF2-40B4-BE49-F238E27FC236}">
-                <a16:creationId xmlns:a16="http://schemas.microsoft.com/office/drawing/2014/main" id="{22115FB5-6849-61E2-7EC5-F1F22C1998F4}"/>
+                <a16:creationId xmlns:a16="http://schemas.microsoft.com/office/drawing/2014/main" id="{D1F0AD29-C20E-EB12-23FE-3675D76F6E03}"/>
               </a:ext>
             </a:extLst>
           </p:cNvPr>
@@ -696,7 +696,7 @@
           <p:cNvPr id="6" name="灯片编号占位符 5">
             <a:extLst>
               <a:ext uri="{FF2B5EF4-FFF2-40B4-BE49-F238E27FC236}">
-                <a16:creationId xmlns:a16="http://schemas.microsoft.com/office/drawing/2014/main" id="{C3F10DDC-7EE4-072C-A8CA-509A4FE761D5}"/>
+                <a16:creationId xmlns:a16="http://schemas.microsoft.com/office/drawing/2014/main" id="{65301594-E2CE-4915-12D3-14AFC9FE9437}"/>
               </a:ext>
             </a:extLst>
           </p:cNvPr>
@@ -712,7 +712,7 @@
           <a:bodyPr/>
           <a:lstStyle/>
           <a:p>
-            <a:fld id="{1F04A94F-BB9B-4AAA-9E3B-15494A1DA1B7}" type="slidenum">
+            <a:fld id="{006D35DD-8192-4851-8297-E715F48B6652}" type="slidenum">
               <a:rPr lang="zh-CN" altLang="en-US" smtClean="0"/>
               <a:t>‹#›</a:t>
             </a:fld>
@@ -723,7 +723,7 @@
     </p:spTree>
     <p:extLst>
       <p:ext uri="{BB962C8B-B14F-4D97-AF65-F5344CB8AC3E}">
-        <p14:creationId xmlns:p14="http://schemas.microsoft.com/office/powerpoint/2010/main" val="3542670092"/>
+        <p14:creationId xmlns:p14="http://schemas.microsoft.com/office/powerpoint/2010/main" val="1922823014"/>
       </p:ext>
     </p:extLst>
   </p:cSld>
@@ -755,7 +755,7 @@
           <p:cNvPr id="2" name="标题 1">
             <a:extLst>
               <a:ext uri="{FF2B5EF4-FFF2-40B4-BE49-F238E27FC236}">
-                <a16:creationId xmlns:a16="http://schemas.microsoft.com/office/drawing/2014/main" id="{4159C959-A0B7-3E75-F4DE-EF40A9ABE71E}"/>
+                <a16:creationId xmlns:a16="http://schemas.microsoft.com/office/drawing/2014/main" id="{8694DB21-6E03-F3B0-B5BC-8702DCC0F803}"/>
               </a:ext>
             </a:extLst>
           </p:cNvPr>
@@ -783,7 +783,7 @@
           <p:cNvPr id="3" name="内容占位符 2">
             <a:extLst>
               <a:ext uri="{FF2B5EF4-FFF2-40B4-BE49-F238E27FC236}">
-                <a16:creationId xmlns:a16="http://schemas.microsoft.com/office/drawing/2014/main" id="{3AA826C6-EFBD-1C4F-C7BF-588C5E100BE3}"/>
+                <a16:creationId xmlns:a16="http://schemas.microsoft.com/office/drawing/2014/main" id="{56BA4BC0-1966-7997-DEDE-010CD5A3BDAB}"/>
               </a:ext>
             </a:extLst>
           </p:cNvPr>
@@ -840,7 +840,7 @@
           <p:cNvPr id="4" name="日期占位符 3">
             <a:extLst>
               <a:ext uri="{FF2B5EF4-FFF2-40B4-BE49-F238E27FC236}">
-                <a16:creationId xmlns:a16="http://schemas.microsoft.com/office/drawing/2014/main" id="{06E123CA-9A0F-4A8D-DDCC-9DE4508FF95C}"/>
+                <a16:creationId xmlns:a16="http://schemas.microsoft.com/office/drawing/2014/main" id="{F7321D70-9240-53CB-0A03-59F3B177A25C}"/>
               </a:ext>
             </a:extLst>
           </p:cNvPr>
@@ -856,7 +856,7 @@
           <a:bodyPr/>
           <a:lstStyle/>
           <a:p>
-            <a:fld id="{AD2B7620-00FF-44F5-80F0-D84BEC1E4889}" type="datetimeFigureOut">
+            <a:fld id="{22A7E623-891D-4267-88EB-FF8C29229A9E}" type="datetimeFigureOut">
               <a:rPr lang="zh-CN" altLang="en-US" smtClean="0"/>
               <a:t>2024/3/10</a:t>
             </a:fld>
@@ -869,7 +869,7 @@
           <p:cNvPr id="5" name="页脚占位符 4">
             <a:extLst>
               <a:ext uri="{FF2B5EF4-FFF2-40B4-BE49-F238E27FC236}">
-                <a16:creationId xmlns:a16="http://schemas.microsoft.com/office/drawing/2014/main" id="{06230B51-3516-FA2F-570C-D3257CA393AB}"/>
+                <a16:creationId xmlns:a16="http://schemas.microsoft.com/office/drawing/2014/main" id="{FD194FEB-CB82-C0AB-DA8B-A2C281E862FD}"/>
               </a:ext>
             </a:extLst>
           </p:cNvPr>
@@ -894,7 +894,7 @@
           <p:cNvPr id="6" name="灯片编号占位符 5">
             <a:extLst>
               <a:ext uri="{FF2B5EF4-FFF2-40B4-BE49-F238E27FC236}">
-                <a16:creationId xmlns:a16="http://schemas.microsoft.com/office/drawing/2014/main" id="{C8BA65A0-7D01-BBF2-6188-8F9194C013EF}"/>
+                <a16:creationId xmlns:a16="http://schemas.microsoft.com/office/drawing/2014/main" id="{5D8DF6BC-A7D1-E3C4-D126-8E4ABBA8C1E2}"/>
               </a:ext>
             </a:extLst>
           </p:cNvPr>
@@ -910,7 +910,7 @@
           <a:bodyPr/>
           <a:lstStyle/>
           <a:p>
-            <a:fld id="{1F04A94F-BB9B-4AAA-9E3B-15494A1DA1B7}" type="slidenum">
+            <a:fld id="{006D35DD-8192-4851-8297-E715F48B6652}" type="slidenum">
               <a:rPr lang="zh-CN" altLang="en-US" smtClean="0"/>
               <a:t>‹#›</a:t>
             </a:fld>
@@ -921,7 +921,7 @@
     </p:spTree>
     <p:extLst>
       <p:ext uri="{BB962C8B-B14F-4D97-AF65-F5344CB8AC3E}">
-        <p14:creationId xmlns:p14="http://schemas.microsoft.com/office/powerpoint/2010/main" val="760335199"/>
+        <p14:creationId xmlns:p14="http://schemas.microsoft.com/office/powerpoint/2010/main" val="548711038"/>
       </p:ext>
     </p:extLst>
   </p:cSld>
@@ -953,7 +953,7 @@
           <p:cNvPr id="2" name="标题 1">
             <a:extLst>
               <a:ext uri="{FF2B5EF4-FFF2-40B4-BE49-F238E27FC236}">
-                <a16:creationId xmlns:a16="http://schemas.microsoft.com/office/drawing/2014/main" id="{825325B3-FE77-06E4-3731-DE4B4DC9F4E9}"/>
+                <a16:creationId xmlns:a16="http://schemas.microsoft.com/office/drawing/2014/main" id="{6E636831-328E-A012-7E30-C529B40DE230}"/>
               </a:ext>
             </a:extLst>
           </p:cNvPr>
@@ -990,7 +990,7 @@
           <p:cNvPr id="3" name="文本占位符 2">
             <a:extLst>
               <a:ext uri="{FF2B5EF4-FFF2-40B4-BE49-F238E27FC236}">
-                <a16:creationId xmlns:a16="http://schemas.microsoft.com/office/drawing/2014/main" id="{D838AB0B-2173-39C4-A3D8-B35F98049F40}"/>
+                <a16:creationId xmlns:a16="http://schemas.microsoft.com/office/drawing/2014/main" id="{75F560CF-F03F-7BD7-D139-135FE65AFFC7}"/>
               </a:ext>
             </a:extLst>
           </p:cNvPr>
@@ -1115,7 +1115,7 @@
           <p:cNvPr id="4" name="日期占位符 3">
             <a:extLst>
               <a:ext uri="{FF2B5EF4-FFF2-40B4-BE49-F238E27FC236}">
-                <a16:creationId xmlns:a16="http://schemas.microsoft.com/office/drawing/2014/main" id="{32864454-B4AE-D0F6-BBCF-1EBDD8DCCA86}"/>
+                <a16:creationId xmlns:a16="http://schemas.microsoft.com/office/drawing/2014/main" id="{4779E092-EF03-D774-8B47-EBD59BD55AAB}"/>
               </a:ext>
             </a:extLst>
           </p:cNvPr>
@@ -1131,7 +1131,7 @@
           <a:bodyPr/>
           <a:lstStyle/>
           <a:p>
-            <a:fld id="{AD2B7620-00FF-44F5-80F0-D84BEC1E4889}" type="datetimeFigureOut">
+            <a:fld id="{22A7E623-891D-4267-88EB-FF8C29229A9E}" type="datetimeFigureOut">
               <a:rPr lang="zh-CN" altLang="en-US" smtClean="0"/>
               <a:t>2024/3/10</a:t>
             </a:fld>
@@ -1144,7 +1144,7 @@
           <p:cNvPr id="5" name="页脚占位符 4">
             <a:extLst>
               <a:ext uri="{FF2B5EF4-FFF2-40B4-BE49-F238E27FC236}">
-                <a16:creationId xmlns:a16="http://schemas.microsoft.com/office/drawing/2014/main" id="{2C8135ED-C1BD-D748-40E6-CD83EFB57998}"/>
+                <a16:creationId xmlns:a16="http://schemas.microsoft.com/office/drawing/2014/main" id="{C00A9B95-E7B3-3447-32B2-480455ADDC85}"/>
               </a:ext>
             </a:extLst>
           </p:cNvPr>
@@ -1169,7 +1169,7 @@
           <p:cNvPr id="6" name="灯片编号占位符 5">
             <a:extLst>
               <a:ext uri="{FF2B5EF4-FFF2-40B4-BE49-F238E27FC236}">
-                <a16:creationId xmlns:a16="http://schemas.microsoft.com/office/drawing/2014/main" id="{6D6E192A-C7D7-04FA-6714-EA8BE747CA08}"/>
+                <a16:creationId xmlns:a16="http://schemas.microsoft.com/office/drawing/2014/main" id="{8E4DDF3A-6ADF-264A-4D2F-A54D46A3DFE2}"/>
               </a:ext>
             </a:extLst>
           </p:cNvPr>
@@ -1185,7 +1185,7 @@
           <a:bodyPr/>
           <a:lstStyle/>
           <a:p>
-            <a:fld id="{1F04A94F-BB9B-4AAA-9E3B-15494A1DA1B7}" type="slidenum">
+            <a:fld id="{006D35DD-8192-4851-8297-E715F48B6652}" type="slidenum">
               <a:rPr lang="zh-CN" altLang="en-US" smtClean="0"/>
               <a:t>‹#›</a:t>
             </a:fld>
@@ -1196,7 +1196,7 @@
     </p:spTree>
     <p:extLst>
       <p:ext uri="{BB962C8B-B14F-4D97-AF65-F5344CB8AC3E}">
-        <p14:creationId xmlns:p14="http://schemas.microsoft.com/office/powerpoint/2010/main" val="900047173"/>
+        <p14:creationId xmlns:p14="http://schemas.microsoft.com/office/powerpoint/2010/main" val="489052812"/>
       </p:ext>
     </p:extLst>
   </p:cSld>
@@ -1228,7 +1228,7 @@
           <p:cNvPr id="2" name="标题 1">
             <a:extLst>
               <a:ext uri="{FF2B5EF4-FFF2-40B4-BE49-F238E27FC236}">
-                <a16:creationId xmlns:a16="http://schemas.microsoft.com/office/drawing/2014/main" id="{AE8CC655-E341-1B8D-B0EA-A52DCF328D0A}"/>
+                <a16:creationId xmlns:a16="http://schemas.microsoft.com/office/drawing/2014/main" id="{448BE8C5-D6B6-352C-9AB6-95DF4017A566}"/>
               </a:ext>
             </a:extLst>
           </p:cNvPr>
@@ -1256,7 +1256,7 @@
           <p:cNvPr id="3" name="内容占位符 2">
             <a:extLst>
               <a:ext uri="{FF2B5EF4-FFF2-40B4-BE49-F238E27FC236}">
-                <a16:creationId xmlns:a16="http://schemas.microsoft.com/office/drawing/2014/main" id="{2CDBD874-E615-168A-0F47-59E553E548AC}"/>
+                <a16:creationId xmlns:a16="http://schemas.microsoft.com/office/drawing/2014/main" id="{B6D739A3-1BEA-86BB-1164-DD6E553208AE}"/>
               </a:ext>
             </a:extLst>
           </p:cNvPr>
@@ -1318,7 +1318,7 @@
           <p:cNvPr id="4" name="内容占位符 3">
             <a:extLst>
               <a:ext uri="{FF2B5EF4-FFF2-40B4-BE49-F238E27FC236}">
-                <a16:creationId xmlns:a16="http://schemas.microsoft.com/office/drawing/2014/main" id="{E6A970E4-5CE0-7B00-2992-362BDD6CE82A}"/>
+                <a16:creationId xmlns:a16="http://schemas.microsoft.com/office/drawing/2014/main" id="{4AFEDE2A-F2CA-8059-9B1A-9A5EFB6019A9}"/>
               </a:ext>
             </a:extLst>
           </p:cNvPr>
@@ -1380,7 +1380,7 @@
           <p:cNvPr id="5" name="日期占位符 4">
             <a:extLst>
               <a:ext uri="{FF2B5EF4-FFF2-40B4-BE49-F238E27FC236}">
-                <a16:creationId xmlns:a16="http://schemas.microsoft.com/office/drawing/2014/main" id="{94B79FE2-AEF3-E77F-6E5E-AF1BAB29EF3C}"/>
+                <a16:creationId xmlns:a16="http://schemas.microsoft.com/office/drawing/2014/main" id="{D5FCE611-2B98-1473-3622-C837086C667C}"/>
               </a:ext>
             </a:extLst>
           </p:cNvPr>
@@ -1396,7 +1396,7 @@
           <a:bodyPr/>
           <a:lstStyle/>
           <a:p>
-            <a:fld id="{AD2B7620-00FF-44F5-80F0-D84BEC1E4889}" type="datetimeFigureOut">
+            <a:fld id="{22A7E623-891D-4267-88EB-FF8C29229A9E}" type="datetimeFigureOut">
               <a:rPr lang="zh-CN" altLang="en-US" smtClean="0"/>
               <a:t>2024/3/10</a:t>
             </a:fld>
@@ -1409,7 +1409,7 @@
           <p:cNvPr id="6" name="页脚占位符 5">
             <a:extLst>
               <a:ext uri="{FF2B5EF4-FFF2-40B4-BE49-F238E27FC236}">
-                <a16:creationId xmlns:a16="http://schemas.microsoft.com/office/drawing/2014/main" id="{D7AE2B7E-495E-9D2C-E36C-6D81258E20E2}"/>
+                <a16:creationId xmlns:a16="http://schemas.microsoft.com/office/drawing/2014/main" id="{8B7685A2-F9A4-5EE1-5939-D08219B4D90F}"/>
               </a:ext>
             </a:extLst>
           </p:cNvPr>
@@ -1434,7 +1434,7 @@
           <p:cNvPr id="7" name="灯片编号占位符 6">
             <a:extLst>
               <a:ext uri="{FF2B5EF4-FFF2-40B4-BE49-F238E27FC236}">
-                <a16:creationId xmlns:a16="http://schemas.microsoft.com/office/drawing/2014/main" id="{A12F6A4D-E8F9-B715-624A-64955AB0222A}"/>
+                <a16:creationId xmlns:a16="http://schemas.microsoft.com/office/drawing/2014/main" id="{1E024C14-FC7A-A064-4FD8-DAB96C40D3DC}"/>
               </a:ext>
             </a:extLst>
           </p:cNvPr>
@@ -1450,7 +1450,7 @@
           <a:bodyPr/>
           <a:lstStyle/>
           <a:p>
-            <a:fld id="{1F04A94F-BB9B-4AAA-9E3B-15494A1DA1B7}" type="slidenum">
+            <a:fld id="{006D35DD-8192-4851-8297-E715F48B6652}" type="slidenum">
               <a:rPr lang="zh-CN" altLang="en-US" smtClean="0"/>
               <a:t>‹#›</a:t>
             </a:fld>
@@ -1461,7 +1461,7 @@
     </p:spTree>
     <p:extLst>
       <p:ext uri="{BB962C8B-B14F-4D97-AF65-F5344CB8AC3E}">
-        <p14:creationId xmlns:p14="http://schemas.microsoft.com/office/powerpoint/2010/main" val="2640920059"/>
+        <p14:creationId xmlns:p14="http://schemas.microsoft.com/office/powerpoint/2010/main" val="3403244368"/>
       </p:ext>
     </p:extLst>
   </p:cSld>
@@ -1493,7 +1493,7 @@
           <p:cNvPr id="2" name="标题 1">
             <a:extLst>
               <a:ext uri="{FF2B5EF4-FFF2-40B4-BE49-F238E27FC236}">
-                <a16:creationId xmlns:a16="http://schemas.microsoft.com/office/drawing/2014/main" id="{81CE51AB-CE0F-1B29-F364-D75FE0130448}"/>
+                <a16:creationId xmlns:a16="http://schemas.microsoft.com/office/drawing/2014/main" id="{E24BB693-35B7-FA39-AE30-0196773466AF}"/>
               </a:ext>
             </a:extLst>
           </p:cNvPr>
@@ -1526,7 +1526,7 @@
           <p:cNvPr id="3" name="文本占位符 2">
             <a:extLst>
               <a:ext uri="{FF2B5EF4-FFF2-40B4-BE49-F238E27FC236}">
-                <a16:creationId xmlns:a16="http://schemas.microsoft.com/office/drawing/2014/main" id="{1DB5B1F5-DDF4-70A3-6296-0C98CA55252A}"/>
+                <a16:creationId xmlns:a16="http://schemas.microsoft.com/office/drawing/2014/main" id="{08B403D2-3585-CA65-1ED2-24A1787249E8}"/>
               </a:ext>
             </a:extLst>
           </p:cNvPr>
@@ -1597,7 +1597,7 @@
           <p:cNvPr id="4" name="内容占位符 3">
             <a:extLst>
               <a:ext uri="{FF2B5EF4-FFF2-40B4-BE49-F238E27FC236}">
-                <a16:creationId xmlns:a16="http://schemas.microsoft.com/office/drawing/2014/main" id="{D074BB54-18E2-3C0D-3AB1-91221DD48513}"/>
+                <a16:creationId xmlns:a16="http://schemas.microsoft.com/office/drawing/2014/main" id="{98A8866C-FD5D-69CC-18E8-C14A27CD3A1C}"/>
               </a:ext>
             </a:extLst>
           </p:cNvPr>
@@ -1659,7 +1659,7 @@
           <p:cNvPr id="5" name="文本占位符 4">
             <a:extLst>
               <a:ext uri="{FF2B5EF4-FFF2-40B4-BE49-F238E27FC236}">
-                <a16:creationId xmlns:a16="http://schemas.microsoft.com/office/drawing/2014/main" id="{1A04B833-A09B-F3D4-15BC-BE073981BAAF}"/>
+                <a16:creationId xmlns:a16="http://schemas.microsoft.com/office/drawing/2014/main" id="{338C6154-F911-FE25-545B-D0E563717C70}"/>
               </a:ext>
             </a:extLst>
           </p:cNvPr>
@@ -1730,7 +1730,7 @@
           <p:cNvPr id="6" name="内容占位符 5">
             <a:extLst>
               <a:ext uri="{FF2B5EF4-FFF2-40B4-BE49-F238E27FC236}">
-                <a16:creationId xmlns:a16="http://schemas.microsoft.com/office/drawing/2014/main" id="{45DD2F61-C1AF-3721-7110-1635654AE4A2}"/>
+                <a16:creationId xmlns:a16="http://schemas.microsoft.com/office/drawing/2014/main" id="{24A9B023-F273-E3AE-4C35-C7DD33CEBE69}"/>
               </a:ext>
             </a:extLst>
           </p:cNvPr>
@@ -1792,7 +1792,7 @@
           <p:cNvPr id="7" name="日期占位符 6">
             <a:extLst>
               <a:ext uri="{FF2B5EF4-FFF2-40B4-BE49-F238E27FC236}">
-                <a16:creationId xmlns:a16="http://schemas.microsoft.com/office/drawing/2014/main" id="{E62E7448-7405-C0D0-C5E6-F5DA1889E27F}"/>
+                <a16:creationId xmlns:a16="http://schemas.microsoft.com/office/drawing/2014/main" id="{9CC6E2C9-A0DE-F51A-0429-0B35DCB356E2}"/>
               </a:ext>
             </a:extLst>
           </p:cNvPr>
@@ -1808,7 +1808,7 @@
           <a:bodyPr/>
           <a:lstStyle/>
           <a:p>
-            <a:fld id="{AD2B7620-00FF-44F5-80F0-D84BEC1E4889}" type="datetimeFigureOut">
+            <a:fld id="{22A7E623-891D-4267-88EB-FF8C29229A9E}" type="datetimeFigureOut">
               <a:rPr lang="zh-CN" altLang="en-US" smtClean="0"/>
               <a:t>2024/3/10</a:t>
             </a:fld>
@@ -1821,7 +1821,7 @@
           <p:cNvPr id="8" name="页脚占位符 7">
             <a:extLst>
               <a:ext uri="{FF2B5EF4-FFF2-40B4-BE49-F238E27FC236}">
-                <a16:creationId xmlns:a16="http://schemas.microsoft.com/office/drawing/2014/main" id="{2873F9BE-93D8-14B7-7EE2-52498C4E4835}"/>
+                <a16:creationId xmlns:a16="http://schemas.microsoft.com/office/drawing/2014/main" id="{8639DA30-A856-84B4-61C2-059FD674AEB9}"/>
               </a:ext>
             </a:extLst>
           </p:cNvPr>
@@ -1846,7 +1846,7 @@
           <p:cNvPr id="9" name="灯片编号占位符 8">
             <a:extLst>
               <a:ext uri="{FF2B5EF4-FFF2-40B4-BE49-F238E27FC236}">
-                <a16:creationId xmlns:a16="http://schemas.microsoft.com/office/drawing/2014/main" id="{09AA8908-DAC7-DD45-88E6-23D75BB18951}"/>
+                <a16:creationId xmlns:a16="http://schemas.microsoft.com/office/drawing/2014/main" id="{57F64DF6-EED3-3917-EED5-CB4155207E90}"/>
               </a:ext>
             </a:extLst>
           </p:cNvPr>
@@ -1862,7 +1862,7 @@
           <a:bodyPr/>
           <a:lstStyle/>
           <a:p>
-            <a:fld id="{1F04A94F-BB9B-4AAA-9E3B-15494A1DA1B7}" type="slidenum">
+            <a:fld id="{006D35DD-8192-4851-8297-E715F48B6652}" type="slidenum">
               <a:rPr lang="zh-CN" altLang="en-US" smtClean="0"/>
               <a:t>‹#›</a:t>
             </a:fld>
@@ -1873,7 +1873,7 @@
     </p:spTree>
     <p:extLst>
       <p:ext uri="{BB962C8B-B14F-4D97-AF65-F5344CB8AC3E}">
-        <p14:creationId xmlns:p14="http://schemas.microsoft.com/office/powerpoint/2010/main" val="4067217628"/>
+        <p14:creationId xmlns:p14="http://schemas.microsoft.com/office/powerpoint/2010/main" val="1631956358"/>
       </p:ext>
     </p:extLst>
   </p:cSld>
@@ -1905,7 +1905,7 @@
           <p:cNvPr id="2" name="标题 1">
             <a:extLst>
               <a:ext uri="{FF2B5EF4-FFF2-40B4-BE49-F238E27FC236}">
-                <a16:creationId xmlns:a16="http://schemas.microsoft.com/office/drawing/2014/main" id="{AF0AB16A-1602-18B3-6D51-EC3CB0E2DE2E}"/>
+                <a16:creationId xmlns:a16="http://schemas.microsoft.com/office/drawing/2014/main" id="{3C13AC1F-C6C9-9334-91B9-7F29F008F611}"/>
               </a:ext>
             </a:extLst>
           </p:cNvPr>
@@ -1933,7 +1933,7 @@
           <p:cNvPr id="3" name="日期占位符 2">
             <a:extLst>
               <a:ext uri="{FF2B5EF4-FFF2-40B4-BE49-F238E27FC236}">
-                <a16:creationId xmlns:a16="http://schemas.microsoft.com/office/drawing/2014/main" id="{49D9BD2B-711D-5D68-D72C-0ED0AF39A959}"/>
+                <a16:creationId xmlns:a16="http://schemas.microsoft.com/office/drawing/2014/main" id="{934F7A29-14AE-68D8-70B4-C2F912988A48}"/>
               </a:ext>
             </a:extLst>
           </p:cNvPr>
@@ -1949,7 +1949,7 @@
           <a:bodyPr/>
           <a:lstStyle/>
           <a:p>
-            <a:fld id="{AD2B7620-00FF-44F5-80F0-D84BEC1E4889}" type="datetimeFigureOut">
+            <a:fld id="{22A7E623-891D-4267-88EB-FF8C29229A9E}" type="datetimeFigureOut">
               <a:rPr lang="zh-CN" altLang="en-US" smtClean="0"/>
               <a:t>2024/3/10</a:t>
             </a:fld>
@@ -1962,7 +1962,7 @@
           <p:cNvPr id="4" name="页脚占位符 3">
             <a:extLst>
               <a:ext uri="{FF2B5EF4-FFF2-40B4-BE49-F238E27FC236}">
-                <a16:creationId xmlns:a16="http://schemas.microsoft.com/office/drawing/2014/main" id="{68864B7D-14C4-B944-E0E6-6F3A07662D1E}"/>
+                <a16:creationId xmlns:a16="http://schemas.microsoft.com/office/drawing/2014/main" id="{25138BF1-A43B-F3CF-B3BD-A6345175E0E7}"/>
               </a:ext>
             </a:extLst>
           </p:cNvPr>
@@ -1987,7 +1987,7 @@
           <p:cNvPr id="5" name="灯片编号占位符 4">
             <a:extLst>
               <a:ext uri="{FF2B5EF4-FFF2-40B4-BE49-F238E27FC236}">
-                <a16:creationId xmlns:a16="http://schemas.microsoft.com/office/drawing/2014/main" id="{2A17921D-B14A-C615-852F-852C41715973}"/>
+                <a16:creationId xmlns:a16="http://schemas.microsoft.com/office/drawing/2014/main" id="{298D4203-1158-7D75-168B-5F702761B4FE}"/>
               </a:ext>
             </a:extLst>
           </p:cNvPr>
@@ -2003,7 +2003,7 @@
           <a:bodyPr/>
           <a:lstStyle/>
           <a:p>
-            <a:fld id="{1F04A94F-BB9B-4AAA-9E3B-15494A1DA1B7}" type="slidenum">
+            <a:fld id="{006D35DD-8192-4851-8297-E715F48B6652}" type="slidenum">
               <a:rPr lang="zh-CN" altLang="en-US" smtClean="0"/>
               <a:t>‹#›</a:t>
             </a:fld>
@@ -2014,7 +2014,7 @@
     </p:spTree>
     <p:extLst>
       <p:ext uri="{BB962C8B-B14F-4D97-AF65-F5344CB8AC3E}">
-        <p14:creationId xmlns:p14="http://schemas.microsoft.com/office/powerpoint/2010/main" val="2352700048"/>
+        <p14:creationId xmlns:p14="http://schemas.microsoft.com/office/powerpoint/2010/main" val="2407763394"/>
       </p:ext>
     </p:extLst>
   </p:cSld>
@@ -2046,7 +2046,7 @@
           <p:cNvPr id="2" name="日期占位符 1">
             <a:extLst>
               <a:ext uri="{FF2B5EF4-FFF2-40B4-BE49-F238E27FC236}">
-                <a16:creationId xmlns:a16="http://schemas.microsoft.com/office/drawing/2014/main" id="{C9B61320-0344-4BD1-38FD-D4799D629DC1}"/>
+                <a16:creationId xmlns:a16="http://schemas.microsoft.com/office/drawing/2014/main" id="{7D90A7D5-25A4-A3A8-39F6-BAE25A38D948}"/>
               </a:ext>
             </a:extLst>
           </p:cNvPr>
@@ -2062,7 +2062,7 @@
           <a:bodyPr/>
           <a:lstStyle/>
           <a:p>
-            <a:fld id="{AD2B7620-00FF-44F5-80F0-D84BEC1E4889}" type="datetimeFigureOut">
+            <a:fld id="{22A7E623-891D-4267-88EB-FF8C29229A9E}" type="datetimeFigureOut">
               <a:rPr lang="zh-CN" altLang="en-US" smtClean="0"/>
               <a:t>2024/3/10</a:t>
             </a:fld>
@@ -2075,7 +2075,7 @@
           <p:cNvPr id="3" name="页脚占位符 2">
             <a:extLst>
               <a:ext uri="{FF2B5EF4-FFF2-40B4-BE49-F238E27FC236}">
-                <a16:creationId xmlns:a16="http://schemas.microsoft.com/office/drawing/2014/main" id="{E37FF789-59FC-483E-E230-E741E55C9C29}"/>
+                <a16:creationId xmlns:a16="http://schemas.microsoft.com/office/drawing/2014/main" id="{F13156C9-0616-683C-0BE7-8DA1CED772A7}"/>
               </a:ext>
             </a:extLst>
           </p:cNvPr>
@@ -2100,7 +2100,7 @@
           <p:cNvPr id="4" name="灯片编号占位符 3">
             <a:extLst>
               <a:ext uri="{FF2B5EF4-FFF2-40B4-BE49-F238E27FC236}">
-                <a16:creationId xmlns:a16="http://schemas.microsoft.com/office/drawing/2014/main" id="{8DE23860-4D94-47A7-7349-09D0915DF8A5}"/>
+                <a16:creationId xmlns:a16="http://schemas.microsoft.com/office/drawing/2014/main" id="{56C8B5AA-D358-907D-4DFC-E1D40CFBA414}"/>
               </a:ext>
             </a:extLst>
           </p:cNvPr>
@@ -2116,7 +2116,7 @@
           <a:bodyPr/>
           <a:lstStyle/>
           <a:p>
-            <a:fld id="{1F04A94F-BB9B-4AAA-9E3B-15494A1DA1B7}" type="slidenum">
+            <a:fld id="{006D35DD-8192-4851-8297-E715F48B6652}" type="slidenum">
               <a:rPr lang="zh-CN" altLang="en-US" smtClean="0"/>
               <a:t>‹#›</a:t>
             </a:fld>
@@ -2127,7 +2127,7 @@
     </p:spTree>
     <p:extLst>
       <p:ext uri="{BB962C8B-B14F-4D97-AF65-F5344CB8AC3E}">
-        <p14:creationId xmlns:p14="http://schemas.microsoft.com/office/powerpoint/2010/main" val="4231981665"/>
+        <p14:creationId xmlns:p14="http://schemas.microsoft.com/office/powerpoint/2010/main" val="1200761579"/>
       </p:ext>
     </p:extLst>
   </p:cSld>
@@ -2159,7 +2159,7 @@
           <p:cNvPr id="2" name="标题 1">
             <a:extLst>
               <a:ext uri="{FF2B5EF4-FFF2-40B4-BE49-F238E27FC236}">
-                <a16:creationId xmlns:a16="http://schemas.microsoft.com/office/drawing/2014/main" id="{25761DB5-F7EC-C6DB-E432-BDB0FEFEC44F}"/>
+                <a16:creationId xmlns:a16="http://schemas.microsoft.com/office/drawing/2014/main" id="{CF07E98B-F7BB-837D-112A-BDB6727023F3}"/>
               </a:ext>
             </a:extLst>
           </p:cNvPr>
@@ -2196,7 +2196,7 @@
           <p:cNvPr id="3" name="内容占位符 2">
             <a:extLst>
               <a:ext uri="{FF2B5EF4-FFF2-40B4-BE49-F238E27FC236}">
-                <a16:creationId xmlns:a16="http://schemas.microsoft.com/office/drawing/2014/main" id="{E35A9DAE-FE3B-1F2E-DFC1-BAD60004C6E4}"/>
+                <a16:creationId xmlns:a16="http://schemas.microsoft.com/office/drawing/2014/main" id="{4E5DF98E-312F-021B-F056-46F6B1B70F4C}"/>
               </a:ext>
             </a:extLst>
           </p:cNvPr>
@@ -2286,7 +2286,7 @@
           <p:cNvPr id="4" name="文本占位符 3">
             <a:extLst>
               <a:ext uri="{FF2B5EF4-FFF2-40B4-BE49-F238E27FC236}">
-                <a16:creationId xmlns:a16="http://schemas.microsoft.com/office/drawing/2014/main" id="{1598D7FB-5EA9-E686-0249-8F18CBB05959}"/>
+                <a16:creationId xmlns:a16="http://schemas.microsoft.com/office/drawing/2014/main" id="{ADB60D25-5219-6886-3041-A922C92673D1}"/>
               </a:ext>
             </a:extLst>
           </p:cNvPr>
@@ -2357,7 +2357,7 @@
           <p:cNvPr id="5" name="日期占位符 4">
             <a:extLst>
               <a:ext uri="{FF2B5EF4-FFF2-40B4-BE49-F238E27FC236}">
-                <a16:creationId xmlns:a16="http://schemas.microsoft.com/office/drawing/2014/main" id="{91AA05D3-1755-E032-6E25-88D36A720E71}"/>
+                <a16:creationId xmlns:a16="http://schemas.microsoft.com/office/drawing/2014/main" id="{5D1181B5-7460-BA94-84A6-8A52D57ABBF3}"/>
               </a:ext>
             </a:extLst>
           </p:cNvPr>
@@ -2373,7 +2373,7 @@
           <a:bodyPr/>
           <a:lstStyle/>
           <a:p>
-            <a:fld id="{AD2B7620-00FF-44F5-80F0-D84BEC1E4889}" type="datetimeFigureOut">
+            <a:fld id="{22A7E623-891D-4267-88EB-FF8C29229A9E}" type="datetimeFigureOut">
               <a:rPr lang="zh-CN" altLang="en-US" smtClean="0"/>
               <a:t>2024/3/10</a:t>
             </a:fld>
@@ -2386,7 +2386,7 @@
           <p:cNvPr id="6" name="页脚占位符 5">
             <a:extLst>
               <a:ext uri="{FF2B5EF4-FFF2-40B4-BE49-F238E27FC236}">
-                <a16:creationId xmlns:a16="http://schemas.microsoft.com/office/drawing/2014/main" id="{AE6EDBB4-5F44-568D-9693-8D5D9203F66D}"/>
+                <a16:creationId xmlns:a16="http://schemas.microsoft.com/office/drawing/2014/main" id="{79697203-95C8-9918-9623-3F4D9DF3E3B3}"/>
               </a:ext>
             </a:extLst>
           </p:cNvPr>
@@ -2411,7 +2411,7 @@
           <p:cNvPr id="7" name="灯片编号占位符 6">
             <a:extLst>
               <a:ext uri="{FF2B5EF4-FFF2-40B4-BE49-F238E27FC236}">
-                <a16:creationId xmlns:a16="http://schemas.microsoft.com/office/drawing/2014/main" id="{BDFE190C-0588-6043-880E-CDA1394CAAE7}"/>
+                <a16:creationId xmlns:a16="http://schemas.microsoft.com/office/drawing/2014/main" id="{A74549AC-F0A0-5B6B-F171-A583166A8F70}"/>
               </a:ext>
             </a:extLst>
           </p:cNvPr>
@@ -2427,7 +2427,7 @@
           <a:bodyPr/>
           <a:lstStyle/>
           <a:p>
-            <a:fld id="{1F04A94F-BB9B-4AAA-9E3B-15494A1DA1B7}" type="slidenum">
+            <a:fld id="{006D35DD-8192-4851-8297-E715F48B6652}" type="slidenum">
               <a:rPr lang="zh-CN" altLang="en-US" smtClean="0"/>
               <a:t>‹#›</a:t>
             </a:fld>
@@ -2438,7 +2438,7 @@
     </p:spTree>
     <p:extLst>
       <p:ext uri="{BB962C8B-B14F-4D97-AF65-F5344CB8AC3E}">
-        <p14:creationId xmlns:p14="http://schemas.microsoft.com/office/powerpoint/2010/main" val="801758946"/>
+        <p14:creationId xmlns:p14="http://schemas.microsoft.com/office/powerpoint/2010/main" val="590937108"/>
       </p:ext>
     </p:extLst>
   </p:cSld>
@@ -2470,7 +2470,7 @@
           <p:cNvPr id="2" name="标题 1">
             <a:extLst>
               <a:ext uri="{FF2B5EF4-FFF2-40B4-BE49-F238E27FC236}">
-                <a16:creationId xmlns:a16="http://schemas.microsoft.com/office/drawing/2014/main" id="{BA3182A0-FBF4-838D-9CEA-07458EF2EE70}"/>
+                <a16:creationId xmlns:a16="http://schemas.microsoft.com/office/drawing/2014/main" id="{B97B5963-E9DA-4688-EB15-E09815DBF7CC}"/>
               </a:ext>
             </a:extLst>
           </p:cNvPr>
@@ -2507,7 +2507,7 @@
           <p:cNvPr id="3" name="图片占位符 2">
             <a:extLst>
               <a:ext uri="{FF2B5EF4-FFF2-40B4-BE49-F238E27FC236}">
-                <a16:creationId xmlns:a16="http://schemas.microsoft.com/office/drawing/2014/main" id="{21C3E72C-EA48-FA31-CFE1-FB5F199F329C}"/>
+                <a16:creationId xmlns:a16="http://schemas.microsoft.com/office/drawing/2014/main" id="{9C790890-A84A-6668-2CB4-C40090EB2500}"/>
               </a:ext>
             </a:extLst>
           </p:cNvPr>
@@ -2574,7 +2574,7 @@
           <p:cNvPr id="4" name="文本占位符 3">
             <a:extLst>
               <a:ext uri="{FF2B5EF4-FFF2-40B4-BE49-F238E27FC236}">
-                <a16:creationId xmlns:a16="http://schemas.microsoft.com/office/drawing/2014/main" id="{EBF951C1-BF2D-601E-12CA-E5B0AE749F01}"/>
+                <a16:creationId xmlns:a16="http://schemas.microsoft.com/office/drawing/2014/main" id="{1DF840C1-BECC-5BE7-3BC2-7D541FFBD0CF}"/>
               </a:ext>
             </a:extLst>
           </p:cNvPr>
@@ -2645,7 +2645,7 @@
           <p:cNvPr id="5" name="日期占位符 4">
             <a:extLst>
               <a:ext uri="{FF2B5EF4-FFF2-40B4-BE49-F238E27FC236}">
-                <a16:creationId xmlns:a16="http://schemas.microsoft.com/office/drawing/2014/main" id="{4C5A3DE1-3955-48E0-C7FF-70B08D9C303F}"/>
+                <a16:creationId xmlns:a16="http://schemas.microsoft.com/office/drawing/2014/main" id="{2607B200-458B-1799-D988-9623AE59CA0A}"/>
               </a:ext>
             </a:extLst>
           </p:cNvPr>
@@ -2661,7 +2661,7 @@
           <a:bodyPr/>
           <a:lstStyle/>
           <a:p>
-            <a:fld id="{AD2B7620-00FF-44F5-80F0-D84BEC1E4889}" type="datetimeFigureOut">
+            <a:fld id="{22A7E623-891D-4267-88EB-FF8C29229A9E}" type="datetimeFigureOut">
               <a:rPr lang="zh-CN" altLang="en-US" smtClean="0"/>
               <a:t>2024/3/10</a:t>
             </a:fld>
@@ -2674,7 +2674,7 @@
           <p:cNvPr id="6" name="页脚占位符 5">
             <a:extLst>
               <a:ext uri="{FF2B5EF4-FFF2-40B4-BE49-F238E27FC236}">
-                <a16:creationId xmlns:a16="http://schemas.microsoft.com/office/drawing/2014/main" id="{36227952-3155-8911-B2CB-F9E92DE55F83}"/>
+                <a16:creationId xmlns:a16="http://schemas.microsoft.com/office/drawing/2014/main" id="{7A7F282D-E659-C498-2998-F031E547BEC4}"/>
               </a:ext>
             </a:extLst>
           </p:cNvPr>
@@ -2699,7 +2699,7 @@
           <p:cNvPr id="7" name="灯片编号占位符 6">
             <a:extLst>
               <a:ext uri="{FF2B5EF4-FFF2-40B4-BE49-F238E27FC236}">
-                <a16:creationId xmlns:a16="http://schemas.microsoft.com/office/drawing/2014/main" id="{C3749707-79F0-1823-6FE0-C69EA51409C7}"/>
+                <a16:creationId xmlns:a16="http://schemas.microsoft.com/office/drawing/2014/main" id="{18D18B83-F074-C7C1-CCDE-FA9413C13C60}"/>
               </a:ext>
             </a:extLst>
           </p:cNvPr>
@@ -2715,7 +2715,7 @@
           <a:bodyPr/>
           <a:lstStyle/>
           <a:p>
-            <a:fld id="{1F04A94F-BB9B-4AAA-9E3B-15494A1DA1B7}" type="slidenum">
+            <a:fld id="{006D35DD-8192-4851-8297-E715F48B6652}" type="slidenum">
               <a:rPr lang="zh-CN" altLang="en-US" smtClean="0"/>
               <a:t>‹#›</a:t>
             </a:fld>
@@ -2726,7 +2726,7 @@
     </p:spTree>
     <p:extLst>
       <p:ext uri="{BB962C8B-B14F-4D97-AF65-F5344CB8AC3E}">
-        <p14:creationId xmlns:p14="http://schemas.microsoft.com/office/powerpoint/2010/main" val="391002279"/>
+        <p14:creationId xmlns:p14="http://schemas.microsoft.com/office/powerpoint/2010/main" val="4092720688"/>
       </p:ext>
     </p:extLst>
   </p:cSld>
@@ -2763,7 +2763,7 @@
           <p:cNvPr id="2" name="标题占位符 1">
             <a:extLst>
               <a:ext uri="{FF2B5EF4-FFF2-40B4-BE49-F238E27FC236}">
-                <a16:creationId xmlns:a16="http://schemas.microsoft.com/office/drawing/2014/main" id="{E8FADFBA-1520-0CF7-824C-86C53AD733AC}"/>
+                <a16:creationId xmlns:a16="http://schemas.microsoft.com/office/drawing/2014/main" id="{6E46CAAF-C854-072D-489D-E7B43B1325A4}"/>
               </a:ext>
             </a:extLst>
           </p:cNvPr>
@@ -2801,7 +2801,7 @@
           <p:cNvPr id="3" name="文本占位符 2">
             <a:extLst>
               <a:ext uri="{FF2B5EF4-FFF2-40B4-BE49-F238E27FC236}">
-                <a16:creationId xmlns:a16="http://schemas.microsoft.com/office/drawing/2014/main" id="{33D53C99-783E-EEB3-9167-A7ED4D3ACA77}"/>
+                <a16:creationId xmlns:a16="http://schemas.microsoft.com/office/drawing/2014/main" id="{A488351A-BDC2-54A5-7034-947E49CDE761}"/>
               </a:ext>
             </a:extLst>
           </p:cNvPr>
@@ -2868,7 +2868,7 @@
           <p:cNvPr id="4" name="日期占位符 3">
             <a:extLst>
               <a:ext uri="{FF2B5EF4-FFF2-40B4-BE49-F238E27FC236}">
-                <a16:creationId xmlns:a16="http://schemas.microsoft.com/office/drawing/2014/main" id="{AE2C7C85-3BCD-CE44-5766-F0F565FE0997}"/>
+                <a16:creationId xmlns:a16="http://schemas.microsoft.com/office/drawing/2014/main" id="{19E382D0-2DAC-D140-558A-988B4E3318CC}"/>
               </a:ext>
             </a:extLst>
           </p:cNvPr>
@@ -2902,7 +2902,7 @@
             </a:lvl1pPr>
           </a:lstStyle>
           <a:p>
-            <a:fld id="{AD2B7620-00FF-44F5-80F0-D84BEC1E4889}" type="datetimeFigureOut">
+            <a:fld id="{22A7E623-891D-4267-88EB-FF8C29229A9E}" type="datetimeFigureOut">
               <a:rPr lang="zh-CN" altLang="en-US" smtClean="0"/>
               <a:t>2024/3/10</a:t>
             </a:fld>
@@ -2915,7 +2915,7 @@
           <p:cNvPr id="5" name="页脚占位符 4">
             <a:extLst>
               <a:ext uri="{FF2B5EF4-FFF2-40B4-BE49-F238E27FC236}">
-                <a16:creationId xmlns:a16="http://schemas.microsoft.com/office/drawing/2014/main" id="{86C54242-8E7A-2D9C-6F58-3B31543F398B}"/>
+                <a16:creationId xmlns:a16="http://schemas.microsoft.com/office/drawing/2014/main" id="{21F72D04-E4EE-5E85-DA18-A81D713AA101}"/>
               </a:ext>
             </a:extLst>
           </p:cNvPr>
@@ -2958,7 +2958,7 @@
           <p:cNvPr id="6" name="灯片编号占位符 5">
             <a:extLst>
               <a:ext uri="{FF2B5EF4-FFF2-40B4-BE49-F238E27FC236}">
-                <a16:creationId xmlns:a16="http://schemas.microsoft.com/office/drawing/2014/main" id="{343C4A76-A9CB-58E0-F319-58AAE12C724F}"/>
+                <a16:creationId xmlns:a16="http://schemas.microsoft.com/office/drawing/2014/main" id="{83AF33BD-779D-F0CF-BCE3-BCBCF85C9C99}"/>
               </a:ext>
             </a:extLst>
           </p:cNvPr>
@@ -2992,7 +2992,7 @@
             </a:lvl1pPr>
           </a:lstStyle>
           <a:p>
-            <a:fld id="{1F04A94F-BB9B-4AAA-9E3B-15494A1DA1B7}" type="slidenum">
+            <a:fld id="{006D35DD-8192-4851-8297-E715F48B6652}" type="slidenum">
               <a:rPr lang="zh-CN" altLang="en-US" smtClean="0"/>
               <a:t>‹#›</a:t>
             </a:fld>
@@ -3003,7 +3003,7 @@
     </p:spTree>
     <p:extLst>
       <p:ext uri="{BB962C8B-B14F-4D97-AF65-F5344CB8AC3E}">
-        <p14:creationId xmlns:p14="http://schemas.microsoft.com/office/powerpoint/2010/main" val="3733127455"/>
+        <p14:creationId xmlns:p14="http://schemas.microsoft.com/office/powerpoint/2010/main" val="1576060263"/>
       </p:ext>
     </p:extLst>
   </p:cSld>
